--- a/Design docs/Final presentation.pptx
+++ b/Design docs/Final presentation.pptx
@@ -5,8 +5,22 @@
     <p:sldMasterId id="2147483648" r:id="rId1"/>
   </p:sldMasterIdLst>
   <p:sldIdLst>
-    <p:sldId id="256" r:id="rId2"/>
-    <p:sldId id="257" r:id="rId3"/>
+    <p:sldId id="258" r:id="rId2"/>
+    <p:sldId id="256" r:id="rId3"/>
+    <p:sldId id="257" r:id="rId4"/>
+    <p:sldId id="259" r:id="rId5"/>
+    <p:sldId id="260" r:id="rId6"/>
+    <p:sldId id="261" r:id="rId7"/>
+    <p:sldId id="262" r:id="rId8"/>
+    <p:sldId id="263" r:id="rId9"/>
+    <p:sldId id="264" r:id="rId10"/>
+    <p:sldId id="265" r:id="rId11"/>
+    <p:sldId id="266" r:id="rId12"/>
+    <p:sldId id="267" r:id="rId13"/>
+    <p:sldId id="268" r:id="rId14"/>
+    <p:sldId id="269" r:id="rId15"/>
+    <p:sldId id="270" r:id="rId16"/>
+    <p:sldId id="271" r:id="rId17"/>
   </p:sldIdLst>
   <p:sldSz cx="12192000" cy="6858000"/>
   <p:notesSz cx="6858000" cy="9144000"/>
@@ -105,6 +119,11 @@
       </a:defRPr>
     </a:lvl9pPr>
   </p:defaultTextStyle>
+  <p:extLst>
+    <p:ext uri="{EFAFB233-063F-42B5-8137-9DF3F51BA10A}">
+      <p15:sldGuideLst xmlns:p15="http://schemas.microsoft.com/office/powerpoint/2012/main"/>
+    </p:ext>
+  </p:extLst>
 </p:presentation>
 </file>
 
@@ -2760,9 +2779,14 @@
 <p:sldMaster xmlns:a="http://schemas.openxmlformats.org/drawingml/2006/main" xmlns:r="http://schemas.openxmlformats.org/officeDocument/2006/relationships" xmlns:p="http://schemas.openxmlformats.org/presentationml/2006/main">
   <p:cSld>
     <p:bg>
-      <p:bgRef idx="1001">
-        <a:schemeClr val="bg1"/>
-      </p:bgRef>
+      <p:bgPr>
+        <a:solidFill>
+          <a:srgbClr val="1DC1AC">
+            <a:alpha val="76000"/>
+          </a:srgbClr>
+        </a:solidFill>
+        <a:effectLst/>
+      </p:bgPr>
     </p:bg>
     <p:spTree>
       <p:nvGrpSpPr>
@@ -3343,114 +3367,687 @@
           <a:chExt cx="0" cy="0"/>
         </a:xfrm>
       </p:grpSpPr>
-      <p:pic>
-        <p:nvPicPr>
-          <p:cNvPr id="5" name="Afbeelding 4">
-            <a:extLst>
-              <a:ext uri="{FF2B5EF4-FFF2-40B4-BE49-F238E27FC236}">
-                <a16:creationId xmlns:a16="http://schemas.microsoft.com/office/drawing/2014/main" id="{8767FD7D-42AF-4C79-A316-694AA8445477}"/>
-              </a:ext>
-            </a:extLst>
-          </p:cNvPr>
-          <p:cNvPicPr>
-            <a:picLocks noChangeAspect="1"/>
-          </p:cNvPicPr>
-          <p:nvPr/>
-        </p:nvPicPr>
-        <p:blipFill>
-          <a:blip r:embed="rId2">
-            <a:extLst>
-              <a:ext uri="{28A0092B-C50C-407E-A947-70E740481C1C}">
-                <a14:useLocalDpi xmlns:a14="http://schemas.microsoft.com/office/drawing/2010/main" val="0"/>
-              </a:ext>
-            </a:extLst>
-          </a:blip>
-          <a:stretch>
-            <a:fillRect/>
-          </a:stretch>
-        </p:blipFill>
-        <p:spPr>
-          <a:xfrm>
-            <a:off x="-1524000" y="0"/>
-            <a:ext cx="13716000" cy="6858000"/>
-          </a:xfrm>
-          <a:prstGeom prst="rect">
-            <a:avLst/>
-          </a:prstGeom>
-        </p:spPr>
-      </p:pic>
       <p:sp>
         <p:nvSpPr>
           <p:cNvPr id="2" name="Titel 1">
             <a:extLst>
               <a:ext uri="{FF2B5EF4-FFF2-40B4-BE49-F238E27FC236}">
-                <a16:creationId xmlns:a16="http://schemas.microsoft.com/office/drawing/2014/main" id="{CA9AF52A-DFEF-4ECE-A0B7-9D762EB2B786}"/>
-              </a:ext>
-            </a:extLst>
-          </p:cNvPr>
-          <p:cNvSpPr>
-            <a:spLocks noGrp="1"/>
-          </p:cNvSpPr>
-          <p:nvPr>
-            <p:ph type="ctrTitle"/>
-          </p:nvPr>
-        </p:nvSpPr>
-        <p:spPr/>
-        <p:txBody>
-          <a:bodyPr/>
-          <a:lstStyle/>
-          <a:p>
-            <a:endParaRPr lang="LID4096"/>
-          </a:p>
-        </p:txBody>
-      </p:sp>
-      <p:sp>
-        <p:nvSpPr>
-          <p:cNvPr id="3" name="Ondertitel 2">
-            <a:extLst>
-              <a:ext uri="{FF2B5EF4-FFF2-40B4-BE49-F238E27FC236}">
-                <a16:creationId xmlns:a16="http://schemas.microsoft.com/office/drawing/2014/main" id="{767C98C1-3623-4E2C-B5F9-677551737A04}"/>
-              </a:ext>
-            </a:extLst>
-          </p:cNvPr>
-          <p:cNvSpPr>
-            <a:spLocks noGrp="1"/>
-          </p:cNvSpPr>
-          <p:nvPr>
-            <p:ph type="subTitle" idx="1"/>
-          </p:nvPr>
-        </p:nvSpPr>
-        <p:spPr/>
-        <p:txBody>
-          <a:bodyPr>
-            <a:normAutofit/>
-          </a:bodyPr>
-          <a:lstStyle/>
-          <a:p>
-            <a:r>
-              <a:rPr lang="en-US" sz="5000" dirty="0">
-                <a:latin typeface="Carter one" panose="03080802040405060005" pitchFamily="66" charset="0"/>
+                <a16:creationId xmlns:a16="http://schemas.microsoft.com/office/drawing/2014/main" id="{BDD26BC5-2C0C-4FE5-BFC5-A94B6FB0FDE3}"/>
+              </a:ext>
+            </a:extLst>
+          </p:cNvPr>
+          <p:cNvSpPr>
+            <a:spLocks noGrp="1"/>
+          </p:cNvSpPr>
+          <p:nvPr>
+            <p:ph type="title"/>
+          </p:nvPr>
+        </p:nvSpPr>
+        <p:spPr/>
+        <p:txBody>
+          <a:bodyPr/>
+          <a:lstStyle/>
+          <a:p>
+            <a:r>
+              <a:rPr lang="en-US" dirty="0">
+                <a:latin typeface="Tenor Sans" panose="02000000000000000000" pitchFamily="2" charset="0"/>
               </a:rPr>
-              <a:t>We are #1</a:t>
-            </a:r>
-          </a:p>
-          <a:p>
-            <a:r>
-              <a:rPr lang="en-US" sz="3000" dirty="0">
-                <a:latin typeface="Carter one" panose="03080802040405060005" pitchFamily="66" charset="0"/>
-              </a:rPr>
-              <a:t>Final presentation</a:t>
-            </a:r>
-            <a:endParaRPr lang="LID4096" sz="3000" dirty="0">
-              <a:latin typeface="Carter one" panose="03080802040405060005" pitchFamily="66" charset="0"/>
+              <a:t>Trailer</a:t>
+            </a:r>
+            <a:endParaRPr lang="LID4096" dirty="0">
+              <a:latin typeface="Tenor Sans" panose="02000000000000000000" pitchFamily="2" charset="0"/>
             </a:endParaRPr>
+          </a:p>
+        </p:txBody>
+      </p:sp>
+      <p:sp>
+        <p:nvSpPr>
+          <p:cNvPr id="3" name="Tijdelijke aanduiding voor inhoud 2">
+            <a:extLst>
+              <a:ext uri="{FF2B5EF4-FFF2-40B4-BE49-F238E27FC236}">
+                <a16:creationId xmlns:a16="http://schemas.microsoft.com/office/drawing/2014/main" id="{9E0B812C-F0EA-4313-9547-851ABE0AADED}"/>
+              </a:ext>
+            </a:extLst>
+          </p:cNvPr>
+          <p:cNvSpPr>
+            <a:spLocks noGrp="1"/>
+          </p:cNvSpPr>
+          <p:nvPr>
+            <p:ph idx="1"/>
+          </p:nvPr>
+        </p:nvSpPr>
+        <p:spPr/>
+        <p:txBody>
+          <a:bodyPr/>
+          <a:lstStyle/>
+          <a:p>
+            <a:pPr marL="0" indent="0">
+              <a:buNone/>
+            </a:pPr>
+            <a:endParaRPr lang="LID4096" dirty="0"/>
           </a:p>
         </p:txBody>
       </p:sp>
     </p:spTree>
     <p:extLst>
       <p:ext uri="{BB962C8B-B14F-4D97-AF65-F5344CB8AC3E}">
-        <p14:creationId xmlns:p14="http://schemas.microsoft.com/office/powerpoint/2010/main" val="321608986"/>
+        <p14:creationId xmlns:p14="http://schemas.microsoft.com/office/powerpoint/2010/main" val="3172438710"/>
+      </p:ext>
+    </p:extLst>
+  </p:cSld>
+  <p:clrMapOvr>
+    <a:masterClrMapping/>
+  </p:clrMapOvr>
+</p:sld>
+</file>
+
+<file path=ppt/slides/slide10.xml><?xml version="1.0" encoding="utf-8"?>
+<p:sld xmlns:a="http://schemas.openxmlformats.org/drawingml/2006/main" xmlns:r="http://schemas.openxmlformats.org/officeDocument/2006/relationships" xmlns:p="http://schemas.openxmlformats.org/presentationml/2006/main">
+  <p:cSld>
+    <p:spTree>
+      <p:nvGrpSpPr>
+        <p:cNvPr id="1" name=""/>
+        <p:cNvGrpSpPr/>
+        <p:nvPr/>
+      </p:nvGrpSpPr>
+      <p:grpSpPr>
+        <a:xfrm>
+          <a:off x="0" y="0"/>
+          <a:ext cx="0" cy="0"/>
+          <a:chOff x="0" y="0"/>
+          <a:chExt cx="0" cy="0"/>
+        </a:xfrm>
+      </p:grpSpPr>
+      <p:sp>
+        <p:nvSpPr>
+          <p:cNvPr id="2" name="Titel 1">
+            <a:extLst>
+              <a:ext uri="{FF2B5EF4-FFF2-40B4-BE49-F238E27FC236}">
+                <a16:creationId xmlns:a16="http://schemas.microsoft.com/office/drawing/2014/main" id="{6099ABBB-2D11-4868-A1AF-FC4C6B9104B2}"/>
+              </a:ext>
+            </a:extLst>
+          </p:cNvPr>
+          <p:cNvSpPr>
+            <a:spLocks noGrp="1"/>
+          </p:cNvSpPr>
+          <p:nvPr>
+            <p:ph type="title"/>
+          </p:nvPr>
+        </p:nvSpPr>
+        <p:spPr/>
+        <p:txBody>
+          <a:bodyPr/>
+          <a:lstStyle/>
+          <a:p>
+            <a:r>
+              <a:rPr lang="en-US" dirty="0" err="1">
+                <a:latin typeface="Tenor Sans" panose="02000000000000000000" pitchFamily="2" charset="0"/>
+              </a:rPr>
+              <a:t>Humam</a:t>
+            </a:r>
+            <a:endParaRPr lang="LID4096" dirty="0">
+              <a:latin typeface="Tenor Sans" panose="02000000000000000000" pitchFamily="2" charset="0"/>
+            </a:endParaRPr>
+          </a:p>
+        </p:txBody>
+      </p:sp>
+      <p:sp>
+        <p:nvSpPr>
+          <p:cNvPr id="3" name="Tijdelijke aanduiding voor inhoud 2">
+            <a:extLst>
+              <a:ext uri="{FF2B5EF4-FFF2-40B4-BE49-F238E27FC236}">
+                <a16:creationId xmlns:a16="http://schemas.microsoft.com/office/drawing/2014/main" id="{2EB63200-1507-4EED-9841-96C9319CAA91}"/>
+              </a:ext>
+            </a:extLst>
+          </p:cNvPr>
+          <p:cNvSpPr>
+            <a:spLocks noGrp="1"/>
+          </p:cNvSpPr>
+          <p:nvPr>
+            <p:ph idx="1"/>
+          </p:nvPr>
+        </p:nvSpPr>
+        <p:spPr/>
+        <p:txBody>
+          <a:bodyPr/>
+          <a:lstStyle/>
+          <a:p>
+            <a:endParaRPr lang="LID4096"/>
+          </a:p>
+        </p:txBody>
+      </p:sp>
+    </p:spTree>
+    <p:extLst>
+      <p:ext uri="{BB962C8B-B14F-4D97-AF65-F5344CB8AC3E}">
+        <p14:creationId xmlns:p14="http://schemas.microsoft.com/office/powerpoint/2010/main" val="3082694762"/>
+      </p:ext>
+    </p:extLst>
+  </p:cSld>
+  <p:clrMapOvr>
+    <a:masterClrMapping/>
+  </p:clrMapOvr>
+</p:sld>
+</file>
+
+<file path=ppt/slides/slide11.xml><?xml version="1.0" encoding="utf-8"?>
+<p:sld xmlns:a="http://schemas.openxmlformats.org/drawingml/2006/main" xmlns:r="http://schemas.openxmlformats.org/officeDocument/2006/relationships" xmlns:p="http://schemas.openxmlformats.org/presentationml/2006/main">
+  <p:cSld>
+    <p:spTree>
+      <p:nvGrpSpPr>
+        <p:cNvPr id="1" name=""/>
+        <p:cNvGrpSpPr/>
+        <p:nvPr/>
+      </p:nvGrpSpPr>
+      <p:grpSpPr>
+        <a:xfrm>
+          <a:off x="0" y="0"/>
+          <a:ext cx="0" cy="0"/>
+          <a:chOff x="0" y="0"/>
+          <a:chExt cx="0" cy="0"/>
+        </a:xfrm>
+      </p:grpSpPr>
+      <p:sp>
+        <p:nvSpPr>
+          <p:cNvPr id="2" name="Titel 1">
+            <a:extLst>
+              <a:ext uri="{FF2B5EF4-FFF2-40B4-BE49-F238E27FC236}">
+                <a16:creationId xmlns:a16="http://schemas.microsoft.com/office/drawing/2014/main" id="{97AB71D0-A231-4A68-BEEE-50E5AB5F93E3}"/>
+              </a:ext>
+            </a:extLst>
+          </p:cNvPr>
+          <p:cNvSpPr>
+            <a:spLocks noGrp="1"/>
+          </p:cNvSpPr>
+          <p:nvPr>
+            <p:ph type="title"/>
+          </p:nvPr>
+        </p:nvSpPr>
+        <p:spPr/>
+        <p:txBody>
+          <a:bodyPr/>
+          <a:lstStyle/>
+          <a:p>
+            <a:r>
+              <a:rPr lang="en-US" dirty="0">
+                <a:latin typeface="Tenor Sans" panose="02000000000000000000" pitchFamily="2" charset="0"/>
+              </a:rPr>
+              <a:t>Tamara</a:t>
+            </a:r>
+            <a:endParaRPr lang="LID4096" dirty="0">
+              <a:latin typeface="Tenor Sans" panose="02000000000000000000" pitchFamily="2" charset="0"/>
+            </a:endParaRPr>
+          </a:p>
+        </p:txBody>
+      </p:sp>
+      <p:sp>
+        <p:nvSpPr>
+          <p:cNvPr id="3" name="Tijdelijke aanduiding voor inhoud 2">
+            <a:extLst>
+              <a:ext uri="{FF2B5EF4-FFF2-40B4-BE49-F238E27FC236}">
+                <a16:creationId xmlns:a16="http://schemas.microsoft.com/office/drawing/2014/main" id="{288B6816-64D1-4463-8B20-5882980F351A}"/>
+              </a:ext>
+            </a:extLst>
+          </p:cNvPr>
+          <p:cNvSpPr>
+            <a:spLocks noGrp="1"/>
+          </p:cNvSpPr>
+          <p:nvPr>
+            <p:ph idx="1"/>
+          </p:nvPr>
+        </p:nvSpPr>
+        <p:spPr/>
+        <p:txBody>
+          <a:bodyPr/>
+          <a:lstStyle/>
+          <a:p>
+            <a:endParaRPr lang="LID4096"/>
+          </a:p>
+        </p:txBody>
+      </p:sp>
+    </p:spTree>
+    <p:extLst>
+      <p:ext uri="{BB962C8B-B14F-4D97-AF65-F5344CB8AC3E}">
+        <p14:creationId xmlns:p14="http://schemas.microsoft.com/office/powerpoint/2010/main" val="3678791271"/>
+      </p:ext>
+    </p:extLst>
+  </p:cSld>
+  <p:clrMapOvr>
+    <a:masterClrMapping/>
+  </p:clrMapOvr>
+</p:sld>
+</file>
+
+<file path=ppt/slides/slide12.xml><?xml version="1.0" encoding="utf-8"?>
+<p:sld xmlns:a="http://schemas.openxmlformats.org/drawingml/2006/main" xmlns:r="http://schemas.openxmlformats.org/officeDocument/2006/relationships" xmlns:p="http://schemas.openxmlformats.org/presentationml/2006/main">
+  <p:cSld>
+    <p:spTree>
+      <p:nvGrpSpPr>
+        <p:cNvPr id="1" name=""/>
+        <p:cNvGrpSpPr/>
+        <p:nvPr/>
+      </p:nvGrpSpPr>
+      <p:grpSpPr>
+        <a:xfrm>
+          <a:off x="0" y="0"/>
+          <a:ext cx="0" cy="0"/>
+          <a:chOff x="0" y="0"/>
+          <a:chExt cx="0" cy="0"/>
+        </a:xfrm>
+      </p:grpSpPr>
+      <p:sp>
+        <p:nvSpPr>
+          <p:cNvPr id="2" name="Titel 1">
+            <a:extLst>
+              <a:ext uri="{FF2B5EF4-FFF2-40B4-BE49-F238E27FC236}">
+                <a16:creationId xmlns:a16="http://schemas.microsoft.com/office/drawing/2014/main" id="{8D0AC54A-09F6-440A-831A-B063B1C61592}"/>
+              </a:ext>
+            </a:extLst>
+          </p:cNvPr>
+          <p:cNvSpPr>
+            <a:spLocks noGrp="1"/>
+          </p:cNvSpPr>
+          <p:nvPr>
+            <p:ph type="title"/>
+          </p:nvPr>
+        </p:nvSpPr>
+        <p:spPr/>
+        <p:txBody>
+          <a:bodyPr/>
+          <a:lstStyle/>
+          <a:p>
+            <a:r>
+              <a:rPr lang="en-US" dirty="0">
+                <a:latin typeface="Tenor Sans" panose="02000000000000000000" pitchFamily="2" charset="0"/>
+              </a:rPr>
+              <a:t>Olivier</a:t>
+            </a:r>
+            <a:endParaRPr lang="LID4096" dirty="0">
+              <a:latin typeface="Tenor Sans" panose="02000000000000000000" pitchFamily="2" charset="0"/>
+            </a:endParaRPr>
+          </a:p>
+        </p:txBody>
+      </p:sp>
+      <p:sp>
+        <p:nvSpPr>
+          <p:cNvPr id="3" name="Tijdelijke aanduiding voor inhoud 2">
+            <a:extLst>
+              <a:ext uri="{FF2B5EF4-FFF2-40B4-BE49-F238E27FC236}">
+                <a16:creationId xmlns:a16="http://schemas.microsoft.com/office/drawing/2014/main" id="{4BAD9B41-D596-43AA-90BF-027BA40C377D}"/>
+              </a:ext>
+            </a:extLst>
+          </p:cNvPr>
+          <p:cNvSpPr>
+            <a:spLocks noGrp="1"/>
+          </p:cNvSpPr>
+          <p:nvPr>
+            <p:ph idx="1"/>
+          </p:nvPr>
+        </p:nvSpPr>
+        <p:spPr/>
+        <p:txBody>
+          <a:bodyPr/>
+          <a:lstStyle/>
+          <a:p>
+            <a:endParaRPr lang="LID4096"/>
+          </a:p>
+        </p:txBody>
+      </p:sp>
+    </p:spTree>
+    <p:extLst>
+      <p:ext uri="{BB962C8B-B14F-4D97-AF65-F5344CB8AC3E}">
+        <p14:creationId xmlns:p14="http://schemas.microsoft.com/office/powerpoint/2010/main" val="2762363560"/>
+      </p:ext>
+    </p:extLst>
+  </p:cSld>
+  <p:clrMapOvr>
+    <a:masterClrMapping/>
+  </p:clrMapOvr>
+</p:sld>
+</file>
+
+<file path=ppt/slides/slide13.xml><?xml version="1.0" encoding="utf-8"?>
+<p:sld xmlns:a="http://schemas.openxmlformats.org/drawingml/2006/main" xmlns:r="http://schemas.openxmlformats.org/officeDocument/2006/relationships" xmlns:p="http://schemas.openxmlformats.org/presentationml/2006/main">
+  <p:cSld>
+    <p:spTree>
+      <p:nvGrpSpPr>
+        <p:cNvPr id="1" name=""/>
+        <p:cNvGrpSpPr/>
+        <p:nvPr/>
+      </p:nvGrpSpPr>
+      <p:grpSpPr>
+        <a:xfrm>
+          <a:off x="0" y="0"/>
+          <a:ext cx="0" cy="0"/>
+          <a:chOff x="0" y="0"/>
+          <a:chExt cx="0" cy="0"/>
+        </a:xfrm>
+      </p:grpSpPr>
+      <p:sp>
+        <p:nvSpPr>
+          <p:cNvPr id="2" name="Titel 1">
+            <a:extLst>
+              <a:ext uri="{FF2B5EF4-FFF2-40B4-BE49-F238E27FC236}">
+                <a16:creationId xmlns:a16="http://schemas.microsoft.com/office/drawing/2014/main" id="{A838741C-AA71-4838-BB46-BC1FBAEA96C1}"/>
+              </a:ext>
+            </a:extLst>
+          </p:cNvPr>
+          <p:cNvSpPr>
+            <a:spLocks noGrp="1"/>
+          </p:cNvSpPr>
+          <p:nvPr>
+            <p:ph type="title"/>
+          </p:nvPr>
+        </p:nvSpPr>
+        <p:spPr/>
+        <p:txBody>
+          <a:bodyPr/>
+          <a:lstStyle/>
+          <a:p>
+            <a:r>
+              <a:rPr lang="en-US" dirty="0">
+                <a:latin typeface="Tenor Sans" panose="02000000000000000000" pitchFamily="2" charset="0"/>
+              </a:rPr>
+              <a:t>Rick</a:t>
+            </a:r>
+            <a:endParaRPr lang="LID4096" dirty="0">
+              <a:latin typeface="Tenor Sans" panose="02000000000000000000" pitchFamily="2" charset="0"/>
+            </a:endParaRPr>
+          </a:p>
+        </p:txBody>
+      </p:sp>
+      <p:sp>
+        <p:nvSpPr>
+          <p:cNvPr id="3" name="Tijdelijke aanduiding voor inhoud 2">
+            <a:extLst>
+              <a:ext uri="{FF2B5EF4-FFF2-40B4-BE49-F238E27FC236}">
+                <a16:creationId xmlns:a16="http://schemas.microsoft.com/office/drawing/2014/main" id="{A5F065D8-4D9E-493D-B619-07E91EFD6830}"/>
+              </a:ext>
+            </a:extLst>
+          </p:cNvPr>
+          <p:cNvSpPr>
+            <a:spLocks noGrp="1"/>
+          </p:cNvSpPr>
+          <p:nvPr>
+            <p:ph idx="1"/>
+          </p:nvPr>
+        </p:nvSpPr>
+        <p:spPr/>
+        <p:txBody>
+          <a:bodyPr/>
+          <a:lstStyle/>
+          <a:p>
+            <a:endParaRPr lang="LID4096"/>
+          </a:p>
+        </p:txBody>
+      </p:sp>
+    </p:spTree>
+    <p:extLst>
+      <p:ext uri="{BB962C8B-B14F-4D97-AF65-F5344CB8AC3E}">
+        <p14:creationId xmlns:p14="http://schemas.microsoft.com/office/powerpoint/2010/main" val="3084784314"/>
+      </p:ext>
+    </p:extLst>
+  </p:cSld>
+  <p:clrMapOvr>
+    <a:masterClrMapping/>
+  </p:clrMapOvr>
+</p:sld>
+</file>
+
+<file path=ppt/slides/slide14.xml><?xml version="1.0" encoding="utf-8"?>
+<p:sld xmlns:a="http://schemas.openxmlformats.org/drawingml/2006/main" xmlns:r="http://schemas.openxmlformats.org/officeDocument/2006/relationships" xmlns:p="http://schemas.openxmlformats.org/presentationml/2006/main">
+  <p:cSld>
+    <p:spTree>
+      <p:nvGrpSpPr>
+        <p:cNvPr id="1" name=""/>
+        <p:cNvGrpSpPr/>
+        <p:nvPr/>
+      </p:nvGrpSpPr>
+      <p:grpSpPr>
+        <a:xfrm>
+          <a:off x="0" y="0"/>
+          <a:ext cx="0" cy="0"/>
+          <a:chOff x="0" y="0"/>
+          <a:chExt cx="0" cy="0"/>
+        </a:xfrm>
+      </p:grpSpPr>
+      <p:sp>
+        <p:nvSpPr>
+          <p:cNvPr id="2" name="Titel 1">
+            <a:extLst>
+              <a:ext uri="{FF2B5EF4-FFF2-40B4-BE49-F238E27FC236}">
+                <a16:creationId xmlns:a16="http://schemas.microsoft.com/office/drawing/2014/main" id="{3B7CEBA1-CB33-4204-996D-325923895FAD}"/>
+              </a:ext>
+            </a:extLst>
+          </p:cNvPr>
+          <p:cNvSpPr>
+            <a:spLocks noGrp="1"/>
+          </p:cNvSpPr>
+          <p:nvPr>
+            <p:ph type="title"/>
+          </p:nvPr>
+        </p:nvSpPr>
+        <p:spPr/>
+        <p:txBody>
+          <a:bodyPr/>
+          <a:lstStyle/>
+          <a:p>
+            <a:r>
+              <a:rPr lang="en-US" dirty="0">
+                <a:latin typeface="Tenor Sans" panose="02000000000000000000" pitchFamily="2" charset="0"/>
+              </a:rPr>
+              <a:t>Glyn</a:t>
+            </a:r>
+            <a:endParaRPr lang="LID4096" dirty="0">
+              <a:latin typeface="Tenor Sans" panose="02000000000000000000" pitchFamily="2" charset="0"/>
+            </a:endParaRPr>
+          </a:p>
+        </p:txBody>
+      </p:sp>
+      <p:sp>
+        <p:nvSpPr>
+          <p:cNvPr id="3" name="Tijdelijke aanduiding voor inhoud 2">
+            <a:extLst>
+              <a:ext uri="{FF2B5EF4-FFF2-40B4-BE49-F238E27FC236}">
+                <a16:creationId xmlns:a16="http://schemas.microsoft.com/office/drawing/2014/main" id="{47B1CA05-F216-4EDF-958E-7894D72E28E3}"/>
+              </a:ext>
+            </a:extLst>
+          </p:cNvPr>
+          <p:cNvSpPr>
+            <a:spLocks noGrp="1"/>
+          </p:cNvSpPr>
+          <p:nvPr>
+            <p:ph idx="1"/>
+          </p:nvPr>
+        </p:nvSpPr>
+        <p:spPr/>
+        <p:txBody>
+          <a:bodyPr/>
+          <a:lstStyle/>
+          <a:p>
+            <a:endParaRPr lang="LID4096"/>
+          </a:p>
+        </p:txBody>
+      </p:sp>
+    </p:spTree>
+    <p:extLst>
+      <p:ext uri="{BB962C8B-B14F-4D97-AF65-F5344CB8AC3E}">
+        <p14:creationId xmlns:p14="http://schemas.microsoft.com/office/powerpoint/2010/main" val="2153452564"/>
+      </p:ext>
+    </p:extLst>
+  </p:cSld>
+  <p:clrMapOvr>
+    <a:masterClrMapping/>
+  </p:clrMapOvr>
+</p:sld>
+</file>
+
+<file path=ppt/slides/slide15.xml><?xml version="1.0" encoding="utf-8"?>
+<p:sld xmlns:a="http://schemas.openxmlformats.org/drawingml/2006/main" xmlns:r="http://schemas.openxmlformats.org/officeDocument/2006/relationships" xmlns:p="http://schemas.openxmlformats.org/presentationml/2006/main">
+  <p:cSld>
+    <p:spTree>
+      <p:nvGrpSpPr>
+        <p:cNvPr id="1" name=""/>
+        <p:cNvGrpSpPr/>
+        <p:nvPr/>
+      </p:nvGrpSpPr>
+      <p:grpSpPr>
+        <a:xfrm>
+          <a:off x="0" y="0"/>
+          <a:ext cx="0" cy="0"/>
+          <a:chOff x="0" y="0"/>
+          <a:chExt cx="0" cy="0"/>
+        </a:xfrm>
+      </p:grpSpPr>
+      <p:sp>
+        <p:nvSpPr>
+          <p:cNvPr id="2" name="Titel 1">
+            <a:extLst>
+              <a:ext uri="{FF2B5EF4-FFF2-40B4-BE49-F238E27FC236}">
+                <a16:creationId xmlns:a16="http://schemas.microsoft.com/office/drawing/2014/main" id="{3B55D0C6-C33B-4062-903A-AFC17209CCF4}"/>
+              </a:ext>
+            </a:extLst>
+          </p:cNvPr>
+          <p:cNvSpPr>
+            <a:spLocks noGrp="1"/>
+          </p:cNvSpPr>
+          <p:nvPr>
+            <p:ph type="title"/>
+          </p:nvPr>
+        </p:nvSpPr>
+        <p:spPr/>
+        <p:txBody>
+          <a:bodyPr/>
+          <a:lstStyle/>
+          <a:p>
+            <a:r>
+              <a:rPr lang="en-US" dirty="0">
+                <a:latin typeface="Tenor Sans" panose="02000000000000000000" pitchFamily="2" charset="0"/>
+              </a:rPr>
+              <a:t>Team reflection</a:t>
+            </a:r>
+            <a:endParaRPr lang="LID4096" dirty="0">
+              <a:latin typeface="Tenor Sans" panose="02000000000000000000" pitchFamily="2" charset="0"/>
+            </a:endParaRPr>
+          </a:p>
+        </p:txBody>
+      </p:sp>
+      <p:sp>
+        <p:nvSpPr>
+          <p:cNvPr id="3" name="Tijdelijke aanduiding voor inhoud 2">
+            <a:extLst>
+              <a:ext uri="{FF2B5EF4-FFF2-40B4-BE49-F238E27FC236}">
+                <a16:creationId xmlns:a16="http://schemas.microsoft.com/office/drawing/2014/main" id="{93498E67-8E3C-45BD-AE82-22D20895F4FA}"/>
+              </a:ext>
+            </a:extLst>
+          </p:cNvPr>
+          <p:cNvSpPr>
+            <a:spLocks noGrp="1"/>
+          </p:cNvSpPr>
+          <p:nvPr>
+            <p:ph idx="1"/>
+          </p:nvPr>
+        </p:nvSpPr>
+        <p:spPr/>
+        <p:txBody>
+          <a:bodyPr/>
+          <a:lstStyle/>
+          <a:p>
+            <a:endParaRPr lang="LID4096" dirty="0"/>
+          </a:p>
+        </p:txBody>
+      </p:sp>
+    </p:spTree>
+    <p:extLst>
+      <p:ext uri="{BB962C8B-B14F-4D97-AF65-F5344CB8AC3E}">
+        <p14:creationId xmlns:p14="http://schemas.microsoft.com/office/powerpoint/2010/main" val="3425139037"/>
+      </p:ext>
+    </p:extLst>
+  </p:cSld>
+  <p:clrMapOvr>
+    <a:masterClrMapping/>
+  </p:clrMapOvr>
+</p:sld>
+</file>
+
+<file path=ppt/slides/slide16.xml><?xml version="1.0" encoding="utf-8"?>
+<p:sld xmlns:a="http://schemas.openxmlformats.org/drawingml/2006/main" xmlns:r="http://schemas.openxmlformats.org/officeDocument/2006/relationships" xmlns:p="http://schemas.openxmlformats.org/presentationml/2006/main">
+  <p:cSld>
+    <p:spTree>
+      <p:nvGrpSpPr>
+        <p:cNvPr id="1" name=""/>
+        <p:cNvGrpSpPr/>
+        <p:nvPr/>
+      </p:nvGrpSpPr>
+      <p:grpSpPr>
+        <a:xfrm>
+          <a:off x="0" y="0"/>
+          <a:ext cx="0" cy="0"/>
+          <a:chOff x="0" y="0"/>
+          <a:chExt cx="0" cy="0"/>
+        </a:xfrm>
+      </p:grpSpPr>
+      <p:sp>
+        <p:nvSpPr>
+          <p:cNvPr id="2" name="Titel 1">
+            <a:extLst>
+              <a:ext uri="{FF2B5EF4-FFF2-40B4-BE49-F238E27FC236}">
+                <a16:creationId xmlns:a16="http://schemas.microsoft.com/office/drawing/2014/main" id="{DB442135-74E4-4BEA-9796-B107AAA650B0}"/>
+              </a:ext>
+            </a:extLst>
+          </p:cNvPr>
+          <p:cNvSpPr>
+            <a:spLocks noGrp="1"/>
+          </p:cNvSpPr>
+          <p:nvPr>
+            <p:ph type="title"/>
+          </p:nvPr>
+        </p:nvSpPr>
+        <p:spPr/>
+        <p:txBody>
+          <a:bodyPr/>
+          <a:lstStyle/>
+          <a:p>
+            <a:r>
+              <a:rPr lang="en-US" dirty="0">
+                <a:latin typeface="Tenor Sans" panose="02000000000000000000" pitchFamily="2" charset="0"/>
+              </a:rPr>
+              <a:t>Thank you for listening!</a:t>
+            </a:r>
+            <a:endParaRPr lang="LID4096" dirty="0">
+              <a:latin typeface="Tenor Sans" panose="02000000000000000000" pitchFamily="2" charset="0"/>
+            </a:endParaRPr>
+          </a:p>
+        </p:txBody>
+      </p:sp>
+      <p:sp>
+        <p:nvSpPr>
+          <p:cNvPr id="7" name="Tijdelijke aanduiding voor inhoud 6">
+            <a:extLst>
+              <a:ext uri="{FF2B5EF4-FFF2-40B4-BE49-F238E27FC236}">
+                <a16:creationId xmlns:a16="http://schemas.microsoft.com/office/drawing/2014/main" id="{84B5386B-F8A3-4EE5-BBB0-2CF51BA8EF45}"/>
+              </a:ext>
+            </a:extLst>
+          </p:cNvPr>
+          <p:cNvSpPr>
+            <a:spLocks noGrp="1"/>
+          </p:cNvSpPr>
+          <p:nvPr>
+            <p:ph idx="1"/>
+          </p:nvPr>
+        </p:nvSpPr>
+        <p:spPr/>
+        <p:txBody>
+          <a:bodyPr/>
+          <a:lstStyle/>
+          <a:p>
+            <a:endParaRPr lang="LID4096"/>
+          </a:p>
+        </p:txBody>
+      </p:sp>
+    </p:spTree>
+    <p:extLst>
+      <p:ext uri="{BB962C8B-B14F-4D97-AF65-F5344CB8AC3E}">
+        <p14:creationId xmlns:p14="http://schemas.microsoft.com/office/powerpoint/2010/main" val="2971055918"/>
       </p:ext>
     </p:extLst>
   </p:cSld>
@@ -3477,6 +4074,158 @@
           <a:chExt cx="0" cy="0"/>
         </a:xfrm>
       </p:grpSpPr>
+      <p:pic>
+        <p:nvPicPr>
+          <p:cNvPr id="8" name="Afbeelding 7">
+            <a:extLst>
+              <a:ext uri="{FF2B5EF4-FFF2-40B4-BE49-F238E27FC236}">
+                <a16:creationId xmlns:a16="http://schemas.microsoft.com/office/drawing/2014/main" id="{9109CBDB-C268-4072-A8CE-A182EF527251}"/>
+              </a:ext>
+            </a:extLst>
+          </p:cNvPr>
+          <p:cNvPicPr>
+            <a:picLocks noChangeAspect="1"/>
+          </p:cNvPicPr>
+          <p:nvPr/>
+        </p:nvPicPr>
+        <p:blipFill rotWithShape="1">
+          <a:blip r:embed="rId2">
+            <a:extLst>
+              <a:ext uri="{28A0092B-C50C-407E-A947-70E740481C1C}">
+                <a14:useLocalDpi xmlns:a14="http://schemas.microsoft.com/office/drawing/2010/main" val="0"/>
+              </a:ext>
+            </a:extLst>
+          </a:blip>
+          <a:srcRect r="11111"/>
+          <a:stretch/>
+        </p:blipFill>
+        <p:spPr>
+          <a:xfrm>
+            <a:off x="0" y="0"/>
+            <a:ext cx="12192000" cy="6858000"/>
+          </a:xfrm>
+          <a:prstGeom prst="rect">
+            <a:avLst/>
+          </a:prstGeom>
+        </p:spPr>
+      </p:pic>
+      <p:sp>
+        <p:nvSpPr>
+          <p:cNvPr id="3" name="Ondertitel 2">
+            <a:extLst>
+              <a:ext uri="{FF2B5EF4-FFF2-40B4-BE49-F238E27FC236}">
+                <a16:creationId xmlns:a16="http://schemas.microsoft.com/office/drawing/2014/main" id="{767C98C1-3623-4E2C-B5F9-677551737A04}"/>
+              </a:ext>
+            </a:extLst>
+          </p:cNvPr>
+          <p:cNvSpPr>
+            <a:spLocks noGrp="1"/>
+          </p:cNvSpPr>
+          <p:nvPr>
+            <p:ph type="subTitle" idx="1"/>
+          </p:nvPr>
+        </p:nvSpPr>
+        <p:spPr>
+          <a:xfrm>
+            <a:off x="5421745" y="3772506"/>
+            <a:ext cx="4668982" cy="1655762"/>
+          </a:xfrm>
+        </p:spPr>
+        <p:txBody>
+          <a:bodyPr>
+            <a:normAutofit/>
+          </a:bodyPr>
+          <a:lstStyle/>
+          <a:p>
+            <a:r>
+              <a:rPr lang="en-US" sz="5000" dirty="0">
+                <a:solidFill>
+                  <a:schemeClr val="bg1"/>
+                </a:solidFill>
+                <a:latin typeface="Carter one" panose="03080802040405060005" pitchFamily="66" charset="0"/>
+              </a:rPr>
+              <a:t>We are #1</a:t>
+            </a:r>
+          </a:p>
+          <a:p>
+            <a:r>
+              <a:rPr lang="en-US" sz="3000" dirty="0">
+                <a:solidFill>
+                  <a:schemeClr val="bg1"/>
+                </a:solidFill>
+                <a:latin typeface="Carter one" panose="03080802040405060005" pitchFamily="66" charset="0"/>
+              </a:rPr>
+              <a:t>Project Hope</a:t>
+            </a:r>
+          </a:p>
+        </p:txBody>
+      </p:sp>
+      <p:pic>
+        <p:nvPicPr>
+          <p:cNvPr id="6" name="Afbeelding 5">
+            <a:extLst>
+              <a:ext uri="{FF2B5EF4-FFF2-40B4-BE49-F238E27FC236}">
+                <a16:creationId xmlns:a16="http://schemas.microsoft.com/office/drawing/2014/main" id="{CF8BA709-3BD9-44CD-8A15-E29F4AEACA7E}"/>
+              </a:ext>
+            </a:extLst>
+          </p:cNvPr>
+          <p:cNvPicPr>
+            <a:picLocks noChangeAspect="1"/>
+          </p:cNvPicPr>
+          <p:nvPr/>
+        </p:nvPicPr>
+        <p:blipFill>
+          <a:blip r:embed="rId3">
+            <a:extLst>
+              <a:ext uri="{28A0092B-C50C-407E-A947-70E740481C1C}">
+                <a14:useLocalDpi xmlns:a14="http://schemas.microsoft.com/office/drawing/2010/main" val="0"/>
+              </a:ext>
+            </a:extLst>
+          </a:blip>
+          <a:stretch>
+            <a:fillRect/>
+          </a:stretch>
+        </p:blipFill>
+        <p:spPr>
+          <a:xfrm>
+            <a:off x="541538" y="1024181"/>
+            <a:ext cx="4593047" cy="4669162"/>
+          </a:xfrm>
+          <a:prstGeom prst="rect">
+            <a:avLst/>
+          </a:prstGeom>
+        </p:spPr>
+      </p:pic>
+    </p:spTree>
+    <p:extLst>
+      <p:ext uri="{BB962C8B-B14F-4D97-AF65-F5344CB8AC3E}">
+        <p14:creationId xmlns:p14="http://schemas.microsoft.com/office/powerpoint/2010/main" val="321608986"/>
+      </p:ext>
+    </p:extLst>
+  </p:cSld>
+  <p:clrMapOvr>
+    <a:masterClrMapping/>
+  </p:clrMapOvr>
+</p:sld>
+</file>
+
+<file path=ppt/slides/slide3.xml><?xml version="1.0" encoding="utf-8"?>
+<p:sld xmlns:a="http://schemas.openxmlformats.org/drawingml/2006/main" xmlns:r="http://schemas.openxmlformats.org/officeDocument/2006/relationships" xmlns:p="http://schemas.openxmlformats.org/presentationml/2006/main">
+  <p:cSld>
+    <p:spTree>
+      <p:nvGrpSpPr>
+        <p:cNvPr id="1" name=""/>
+        <p:cNvGrpSpPr/>
+        <p:nvPr/>
+      </p:nvGrpSpPr>
+      <p:grpSpPr>
+        <a:xfrm>
+          <a:off x="0" y="0"/>
+          <a:ext cx="0" cy="0"/>
+          <a:chOff x="0" y="0"/>
+          <a:chExt cx="0" cy="0"/>
+        </a:xfrm>
+      </p:grpSpPr>
       <p:sp>
         <p:nvSpPr>
           <p:cNvPr id="2" name="Titel 1">
@@ -3498,7 +4247,15 @@
           <a:bodyPr/>
           <a:lstStyle/>
           <a:p>
-            <a:endParaRPr lang="LID4096"/>
+            <a:r>
+              <a:rPr lang="en-US" dirty="0">
+                <a:latin typeface="Tenor Sans" panose="02000000000000000000" pitchFamily="2" charset="0"/>
+              </a:rPr>
+              <a:t>Our game</a:t>
+            </a:r>
+            <a:endParaRPr lang="LID4096" dirty="0">
+              <a:latin typeface="Tenor Sans" panose="02000000000000000000" pitchFamily="2" charset="0"/>
+            </a:endParaRPr>
           </a:p>
         </p:txBody>
       </p:sp>
@@ -3523,7 +4280,36 @@
           <a:bodyPr/>
           <a:lstStyle/>
           <a:p>
-            <a:endParaRPr lang="LID4096"/>
+            <a:endParaRPr lang="en-US" dirty="0">
+              <a:latin typeface="Tenor Sans" panose="02000000000000000000" pitchFamily="2" charset="0"/>
+            </a:endParaRPr>
+          </a:p>
+          <a:p>
+            <a:r>
+              <a:rPr lang="en-US" dirty="0">
+                <a:latin typeface="Tenor Sans" panose="02000000000000000000" pitchFamily="2" charset="0"/>
+              </a:rPr>
+              <a:t>Why is it fun?</a:t>
+            </a:r>
+          </a:p>
+          <a:p>
+            <a:r>
+              <a:rPr lang="en-US" dirty="0">
+                <a:latin typeface="Tenor Sans" panose="02000000000000000000" pitchFamily="2" charset="0"/>
+              </a:rPr>
+              <a:t>Why is it good for the campaign?</a:t>
+            </a:r>
+          </a:p>
+          <a:p>
+            <a:r>
+              <a:rPr lang="en-US" dirty="0">
+                <a:latin typeface="Tenor Sans" panose="02000000000000000000" pitchFamily="2" charset="0"/>
+              </a:rPr>
+              <a:t>Why is it on mobile? (target audience)</a:t>
+            </a:r>
+          </a:p>
+          <a:p>
+            <a:endParaRPr lang="LID4096" dirty="0"/>
           </a:p>
         </p:txBody>
       </p:sp>
@@ -3531,6 +4317,542 @@
     <p:extLst>
       <p:ext uri="{BB962C8B-B14F-4D97-AF65-F5344CB8AC3E}">
         <p14:creationId xmlns:p14="http://schemas.microsoft.com/office/powerpoint/2010/main" val="877192579"/>
+      </p:ext>
+    </p:extLst>
+  </p:cSld>
+  <p:clrMapOvr>
+    <a:masterClrMapping/>
+  </p:clrMapOvr>
+</p:sld>
+</file>
+
+<file path=ppt/slides/slide4.xml><?xml version="1.0" encoding="utf-8"?>
+<p:sld xmlns:a="http://schemas.openxmlformats.org/drawingml/2006/main" xmlns:r="http://schemas.openxmlformats.org/officeDocument/2006/relationships" xmlns:p="http://schemas.openxmlformats.org/presentationml/2006/main">
+  <p:cSld>
+    <p:spTree>
+      <p:nvGrpSpPr>
+        <p:cNvPr id="1" name=""/>
+        <p:cNvGrpSpPr/>
+        <p:nvPr/>
+      </p:nvGrpSpPr>
+      <p:grpSpPr>
+        <a:xfrm>
+          <a:off x="0" y="0"/>
+          <a:ext cx="0" cy="0"/>
+          <a:chOff x="0" y="0"/>
+          <a:chExt cx="0" cy="0"/>
+        </a:xfrm>
+      </p:grpSpPr>
+      <p:sp>
+        <p:nvSpPr>
+          <p:cNvPr id="2" name="Titel 1">
+            <a:extLst>
+              <a:ext uri="{FF2B5EF4-FFF2-40B4-BE49-F238E27FC236}">
+                <a16:creationId xmlns:a16="http://schemas.microsoft.com/office/drawing/2014/main" id="{37ADAC6D-C24A-47CA-AC74-1C1864866DFE}"/>
+              </a:ext>
+            </a:extLst>
+          </p:cNvPr>
+          <p:cNvSpPr>
+            <a:spLocks noGrp="1"/>
+          </p:cNvSpPr>
+          <p:nvPr>
+            <p:ph type="title"/>
+          </p:nvPr>
+        </p:nvSpPr>
+        <p:spPr/>
+        <p:txBody>
+          <a:bodyPr/>
+          <a:lstStyle/>
+          <a:p>
+            <a:r>
+              <a:rPr lang="en-US" dirty="0">
+                <a:latin typeface="Tenor Sans" panose="02000000000000000000" pitchFamily="2" charset="0"/>
+              </a:rPr>
+              <a:t>Play the game</a:t>
+            </a:r>
+            <a:endParaRPr lang="LID4096" dirty="0">
+              <a:latin typeface="Tenor Sans" panose="02000000000000000000" pitchFamily="2" charset="0"/>
+            </a:endParaRPr>
+          </a:p>
+        </p:txBody>
+      </p:sp>
+      <p:sp>
+        <p:nvSpPr>
+          <p:cNvPr id="3" name="Tijdelijke aanduiding voor inhoud 2">
+            <a:extLst>
+              <a:ext uri="{FF2B5EF4-FFF2-40B4-BE49-F238E27FC236}">
+                <a16:creationId xmlns:a16="http://schemas.microsoft.com/office/drawing/2014/main" id="{D407DD9C-1528-4E48-AE8B-5D2DEA5953DE}"/>
+              </a:ext>
+            </a:extLst>
+          </p:cNvPr>
+          <p:cNvSpPr>
+            <a:spLocks noGrp="1"/>
+          </p:cNvSpPr>
+          <p:nvPr>
+            <p:ph idx="1"/>
+          </p:nvPr>
+        </p:nvSpPr>
+        <p:spPr/>
+        <p:txBody>
+          <a:bodyPr/>
+          <a:lstStyle/>
+          <a:p>
+            <a:endParaRPr lang="LID4096"/>
+          </a:p>
+        </p:txBody>
+      </p:sp>
+    </p:spTree>
+    <p:extLst>
+      <p:ext uri="{BB962C8B-B14F-4D97-AF65-F5344CB8AC3E}">
+        <p14:creationId xmlns:p14="http://schemas.microsoft.com/office/powerpoint/2010/main" val="3990657526"/>
+      </p:ext>
+    </p:extLst>
+  </p:cSld>
+  <p:clrMapOvr>
+    <a:masterClrMapping/>
+  </p:clrMapOvr>
+</p:sld>
+</file>
+
+<file path=ppt/slides/slide5.xml><?xml version="1.0" encoding="utf-8"?>
+<p:sld xmlns:a="http://schemas.openxmlformats.org/drawingml/2006/main" xmlns:r="http://schemas.openxmlformats.org/officeDocument/2006/relationships" xmlns:p="http://schemas.openxmlformats.org/presentationml/2006/main">
+  <p:cSld>
+    <p:spTree>
+      <p:nvGrpSpPr>
+        <p:cNvPr id="1" name=""/>
+        <p:cNvGrpSpPr/>
+        <p:nvPr/>
+      </p:nvGrpSpPr>
+      <p:grpSpPr>
+        <a:xfrm>
+          <a:off x="0" y="0"/>
+          <a:ext cx="0" cy="0"/>
+          <a:chOff x="0" y="0"/>
+          <a:chExt cx="0" cy="0"/>
+        </a:xfrm>
+      </p:grpSpPr>
+      <p:sp>
+        <p:nvSpPr>
+          <p:cNvPr id="2" name="Titel 1">
+            <a:extLst>
+              <a:ext uri="{FF2B5EF4-FFF2-40B4-BE49-F238E27FC236}">
+                <a16:creationId xmlns:a16="http://schemas.microsoft.com/office/drawing/2014/main" id="{4A762B01-9DA4-424D-A872-CC18E157379B}"/>
+              </a:ext>
+            </a:extLst>
+          </p:cNvPr>
+          <p:cNvSpPr>
+            <a:spLocks noGrp="1"/>
+          </p:cNvSpPr>
+          <p:nvPr>
+            <p:ph type="title"/>
+          </p:nvPr>
+        </p:nvSpPr>
+        <p:spPr/>
+        <p:txBody>
+          <a:bodyPr/>
+          <a:lstStyle/>
+          <a:p>
+            <a:r>
+              <a:rPr lang="en-US" dirty="0">
+                <a:latin typeface="Tenor Sans" panose="02000000000000000000" pitchFamily="2" charset="0"/>
+              </a:rPr>
+              <a:t>Concept and model</a:t>
+            </a:r>
+            <a:endParaRPr lang="LID4096" dirty="0">
+              <a:latin typeface="Tenor Sans" panose="02000000000000000000" pitchFamily="2" charset="0"/>
+            </a:endParaRPr>
+          </a:p>
+        </p:txBody>
+      </p:sp>
+      <p:sp>
+        <p:nvSpPr>
+          <p:cNvPr id="3" name="Tijdelijke aanduiding voor inhoud 2">
+            <a:extLst>
+              <a:ext uri="{FF2B5EF4-FFF2-40B4-BE49-F238E27FC236}">
+                <a16:creationId xmlns:a16="http://schemas.microsoft.com/office/drawing/2014/main" id="{557E31C1-6DEE-40DE-BD34-7F4F56ED585F}"/>
+              </a:ext>
+            </a:extLst>
+          </p:cNvPr>
+          <p:cNvSpPr>
+            <a:spLocks noGrp="1"/>
+          </p:cNvSpPr>
+          <p:nvPr>
+            <p:ph idx="1"/>
+          </p:nvPr>
+        </p:nvSpPr>
+        <p:spPr/>
+        <p:txBody>
+          <a:bodyPr/>
+          <a:lstStyle/>
+          <a:p>
+            <a:r>
+              <a:rPr lang="en-US" dirty="0">
+                <a:latin typeface="Tenor Sans" panose="02000000000000000000" pitchFamily="2" charset="0"/>
+              </a:rPr>
+              <a:t> final concept art next to final 3d model</a:t>
+            </a:r>
+            <a:endParaRPr lang="LID4096" dirty="0">
+              <a:latin typeface="Tenor Sans" panose="02000000000000000000" pitchFamily="2" charset="0"/>
+            </a:endParaRPr>
+          </a:p>
+        </p:txBody>
+      </p:sp>
+    </p:spTree>
+    <p:extLst>
+      <p:ext uri="{BB962C8B-B14F-4D97-AF65-F5344CB8AC3E}">
+        <p14:creationId xmlns:p14="http://schemas.microsoft.com/office/powerpoint/2010/main" val="602300299"/>
+      </p:ext>
+    </p:extLst>
+  </p:cSld>
+  <p:clrMapOvr>
+    <a:masterClrMapping/>
+  </p:clrMapOvr>
+</p:sld>
+</file>
+
+<file path=ppt/slides/slide6.xml><?xml version="1.0" encoding="utf-8"?>
+<p:sld xmlns:a="http://schemas.openxmlformats.org/drawingml/2006/main" xmlns:r="http://schemas.openxmlformats.org/officeDocument/2006/relationships" xmlns:p="http://schemas.openxmlformats.org/presentationml/2006/main">
+  <p:cSld>
+    <p:spTree>
+      <p:nvGrpSpPr>
+        <p:cNvPr id="1" name=""/>
+        <p:cNvGrpSpPr/>
+        <p:nvPr/>
+      </p:nvGrpSpPr>
+      <p:grpSpPr>
+        <a:xfrm>
+          <a:off x="0" y="0"/>
+          <a:ext cx="0" cy="0"/>
+          <a:chOff x="0" y="0"/>
+          <a:chExt cx="0" cy="0"/>
+        </a:xfrm>
+      </p:grpSpPr>
+      <p:sp>
+        <p:nvSpPr>
+          <p:cNvPr id="2" name="Titel 1">
+            <a:extLst>
+              <a:ext uri="{FF2B5EF4-FFF2-40B4-BE49-F238E27FC236}">
+                <a16:creationId xmlns:a16="http://schemas.microsoft.com/office/drawing/2014/main" id="{61FA23D3-4872-4CB7-A4D8-B713C7863E6B}"/>
+              </a:ext>
+            </a:extLst>
+          </p:cNvPr>
+          <p:cNvSpPr>
+            <a:spLocks noGrp="1"/>
+          </p:cNvSpPr>
+          <p:nvPr>
+            <p:ph type="title"/>
+          </p:nvPr>
+        </p:nvSpPr>
+        <p:spPr/>
+        <p:txBody>
+          <a:bodyPr/>
+          <a:lstStyle/>
+          <a:p>
+            <a:r>
+              <a:rPr lang="en-US" dirty="0">
+                <a:latin typeface="Tenor Sans" panose="02000000000000000000" pitchFamily="2" charset="0"/>
+              </a:rPr>
+              <a:t>Assets 3D</a:t>
+            </a:r>
+            <a:endParaRPr lang="LID4096" dirty="0">
+              <a:latin typeface="Tenor Sans" panose="02000000000000000000" pitchFamily="2" charset="0"/>
+            </a:endParaRPr>
+          </a:p>
+        </p:txBody>
+      </p:sp>
+      <p:sp>
+        <p:nvSpPr>
+          <p:cNvPr id="3" name="Tijdelijke aanduiding voor inhoud 2">
+            <a:extLst>
+              <a:ext uri="{FF2B5EF4-FFF2-40B4-BE49-F238E27FC236}">
+                <a16:creationId xmlns:a16="http://schemas.microsoft.com/office/drawing/2014/main" id="{383917C4-A19D-4547-963C-D652A965F408}"/>
+              </a:ext>
+            </a:extLst>
+          </p:cNvPr>
+          <p:cNvSpPr>
+            <a:spLocks noGrp="1"/>
+          </p:cNvSpPr>
+          <p:nvPr>
+            <p:ph idx="1"/>
+          </p:nvPr>
+        </p:nvSpPr>
+        <p:spPr/>
+        <p:txBody>
+          <a:bodyPr/>
+          <a:lstStyle/>
+          <a:p>
+            <a:endParaRPr lang="LID4096" dirty="0"/>
+          </a:p>
+        </p:txBody>
+      </p:sp>
+    </p:spTree>
+    <p:extLst>
+      <p:ext uri="{BB962C8B-B14F-4D97-AF65-F5344CB8AC3E}">
+        <p14:creationId xmlns:p14="http://schemas.microsoft.com/office/powerpoint/2010/main" val="1249119518"/>
+      </p:ext>
+    </p:extLst>
+  </p:cSld>
+  <p:clrMapOvr>
+    <a:masterClrMapping/>
+  </p:clrMapOvr>
+</p:sld>
+</file>
+
+<file path=ppt/slides/slide7.xml><?xml version="1.0" encoding="utf-8"?>
+<p:sld xmlns:a="http://schemas.openxmlformats.org/drawingml/2006/main" xmlns:r="http://schemas.openxmlformats.org/officeDocument/2006/relationships" xmlns:p="http://schemas.openxmlformats.org/presentationml/2006/main">
+  <p:cSld>
+    <p:spTree>
+      <p:nvGrpSpPr>
+        <p:cNvPr id="1" name=""/>
+        <p:cNvGrpSpPr/>
+        <p:nvPr/>
+      </p:nvGrpSpPr>
+      <p:grpSpPr>
+        <a:xfrm>
+          <a:off x="0" y="0"/>
+          <a:ext cx="0" cy="0"/>
+          <a:chOff x="0" y="0"/>
+          <a:chExt cx="0" cy="0"/>
+        </a:xfrm>
+      </p:grpSpPr>
+      <p:sp>
+        <p:nvSpPr>
+          <p:cNvPr id="2" name="Titel 1">
+            <a:extLst>
+              <a:ext uri="{FF2B5EF4-FFF2-40B4-BE49-F238E27FC236}">
+                <a16:creationId xmlns:a16="http://schemas.microsoft.com/office/drawing/2014/main" id="{94ACAF15-F1B2-4F12-80F6-CCA7F342CD1D}"/>
+              </a:ext>
+            </a:extLst>
+          </p:cNvPr>
+          <p:cNvSpPr>
+            <a:spLocks noGrp="1"/>
+          </p:cNvSpPr>
+          <p:nvPr>
+            <p:ph type="title"/>
+          </p:nvPr>
+        </p:nvSpPr>
+        <p:spPr/>
+        <p:txBody>
+          <a:bodyPr/>
+          <a:lstStyle/>
+          <a:p>
+            <a:r>
+              <a:rPr lang="en-US" dirty="0">
+                <a:latin typeface="Tenor Sans" panose="02000000000000000000" pitchFamily="2" charset="0"/>
+              </a:rPr>
+              <a:t>Assets UI</a:t>
+            </a:r>
+            <a:endParaRPr lang="LID4096" dirty="0">
+              <a:latin typeface="Tenor Sans" panose="02000000000000000000" pitchFamily="2" charset="0"/>
+            </a:endParaRPr>
+          </a:p>
+        </p:txBody>
+      </p:sp>
+      <p:sp>
+        <p:nvSpPr>
+          <p:cNvPr id="3" name="Tijdelijke aanduiding voor inhoud 2">
+            <a:extLst>
+              <a:ext uri="{FF2B5EF4-FFF2-40B4-BE49-F238E27FC236}">
+                <a16:creationId xmlns:a16="http://schemas.microsoft.com/office/drawing/2014/main" id="{158B4818-9847-432E-86F5-119F0A54BB56}"/>
+              </a:ext>
+            </a:extLst>
+          </p:cNvPr>
+          <p:cNvSpPr>
+            <a:spLocks noGrp="1"/>
+          </p:cNvSpPr>
+          <p:nvPr>
+            <p:ph idx="1"/>
+          </p:nvPr>
+        </p:nvSpPr>
+        <p:spPr/>
+        <p:txBody>
+          <a:bodyPr/>
+          <a:lstStyle/>
+          <a:p>
+            <a:endParaRPr lang="LID4096"/>
+          </a:p>
+        </p:txBody>
+      </p:sp>
+    </p:spTree>
+    <p:extLst>
+      <p:ext uri="{BB962C8B-B14F-4D97-AF65-F5344CB8AC3E}">
+        <p14:creationId xmlns:p14="http://schemas.microsoft.com/office/powerpoint/2010/main" val="3494671205"/>
+      </p:ext>
+    </p:extLst>
+  </p:cSld>
+  <p:clrMapOvr>
+    <a:masterClrMapping/>
+  </p:clrMapOvr>
+</p:sld>
+</file>
+
+<file path=ppt/slides/slide8.xml><?xml version="1.0" encoding="utf-8"?>
+<p:sld xmlns:a="http://schemas.openxmlformats.org/drawingml/2006/main" xmlns:r="http://schemas.openxmlformats.org/officeDocument/2006/relationships" xmlns:p="http://schemas.openxmlformats.org/presentationml/2006/main">
+  <p:cSld>
+    <p:spTree>
+      <p:nvGrpSpPr>
+        <p:cNvPr id="1" name=""/>
+        <p:cNvGrpSpPr/>
+        <p:nvPr/>
+      </p:nvGrpSpPr>
+      <p:grpSpPr>
+        <a:xfrm>
+          <a:off x="0" y="0"/>
+          <a:ext cx="0" cy="0"/>
+          <a:chOff x="0" y="0"/>
+          <a:chExt cx="0" cy="0"/>
+        </a:xfrm>
+      </p:grpSpPr>
+      <p:sp>
+        <p:nvSpPr>
+          <p:cNvPr id="2" name="Titel 1">
+            <a:extLst>
+              <a:ext uri="{FF2B5EF4-FFF2-40B4-BE49-F238E27FC236}">
+                <a16:creationId xmlns:a16="http://schemas.microsoft.com/office/drawing/2014/main" id="{C8DEFAA2-2CB1-4609-8E6D-7331FD7AF7CC}"/>
+              </a:ext>
+            </a:extLst>
+          </p:cNvPr>
+          <p:cNvSpPr>
+            <a:spLocks noGrp="1"/>
+          </p:cNvSpPr>
+          <p:nvPr>
+            <p:ph type="title"/>
+          </p:nvPr>
+        </p:nvSpPr>
+        <p:spPr/>
+        <p:txBody>
+          <a:bodyPr/>
+          <a:lstStyle/>
+          <a:p>
+            <a:r>
+              <a:rPr lang="en-US" dirty="0">
+                <a:latin typeface="Tenor Sans" panose="02000000000000000000" pitchFamily="2" charset="0"/>
+              </a:rPr>
+              <a:t>Music &amp; sound effects</a:t>
+            </a:r>
+            <a:endParaRPr lang="LID4096" dirty="0">
+              <a:latin typeface="Tenor Sans" panose="02000000000000000000" pitchFamily="2" charset="0"/>
+            </a:endParaRPr>
+          </a:p>
+        </p:txBody>
+      </p:sp>
+      <p:sp>
+        <p:nvSpPr>
+          <p:cNvPr id="3" name="Tijdelijke aanduiding voor inhoud 2">
+            <a:extLst>
+              <a:ext uri="{FF2B5EF4-FFF2-40B4-BE49-F238E27FC236}">
+                <a16:creationId xmlns:a16="http://schemas.microsoft.com/office/drawing/2014/main" id="{D02D73BA-77C3-4A1A-A9DC-83DA113CECF0}"/>
+              </a:ext>
+            </a:extLst>
+          </p:cNvPr>
+          <p:cNvSpPr>
+            <a:spLocks noGrp="1"/>
+          </p:cNvSpPr>
+          <p:nvPr>
+            <p:ph idx="1"/>
+          </p:nvPr>
+        </p:nvSpPr>
+        <p:spPr/>
+        <p:txBody>
+          <a:bodyPr/>
+          <a:lstStyle/>
+          <a:p>
+            <a:endParaRPr lang="LID4096"/>
+          </a:p>
+        </p:txBody>
+      </p:sp>
+    </p:spTree>
+    <p:extLst>
+      <p:ext uri="{BB962C8B-B14F-4D97-AF65-F5344CB8AC3E}">
+        <p14:creationId xmlns:p14="http://schemas.microsoft.com/office/powerpoint/2010/main" val="1725942157"/>
+      </p:ext>
+    </p:extLst>
+  </p:cSld>
+  <p:clrMapOvr>
+    <a:masterClrMapping/>
+  </p:clrMapOvr>
+</p:sld>
+</file>
+
+<file path=ppt/slides/slide9.xml><?xml version="1.0" encoding="utf-8"?>
+<p:sld xmlns:a="http://schemas.openxmlformats.org/drawingml/2006/main" xmlns:r="http://schemas.openxmlformats.org/officeDocument/2006/relationships" xmlns:p="http://schemas.openxmlformats.org/presentationml/2006/main">
+  <p:cSld>
+    <p:spTree>
+      <p:nvGrpSpPr>
+        <p:cNvPr id="1" name=""/>
+        <p:cNvGrpSpPr/>
+        <p:nvPr/>
+      </p:nvGrpSpPr>
+      <p:grpSpPr>
+        <a:xfrm>
+          <a:off x="0" y="0"/>
+          <a:ext cx="0" cy="0"/>
+          <a:chOff x="0" y="0"/>
+          <a:chExt cx="0" cy="0"/>
+        </a:xfrm>
+      </p:grpSpPr>
+      <p:sp>
+        <p:nvSpPr>
+          <p:cNvPr id="2" name="Titel 1">
+            <a:extLst>
+              <a:ext uri="{FF2B5EF4-FFF2-40B4-BE49-F238E27FC236}">
+                <a16:creationId xmlns:a16="http://schemas.microsoft.com/office/drawing/2014/main" id="{D0961D66-6690-4008-BE9A-06422E0A9C90}"/>
+              </a:ext>
+            </a:extLst>
+          </p:cNvPr>
+          <p:cNvSpPr>
+            <a:spLocks noGrp="1"/>
+          </p:cNvSpPr>
+          <p:nvPr>
+            <p:ph type="title"/>
+          </p:nvPr>
+        </p:nvSpPr>
+        <p:spPr/>
+        <p:txBody>
+          <a:bodyPr/>
+          <a:lstStyle/>
+          <a:p>
+            <a:r>
+              <a:rPr lang="en-US" dirty="0">
+                <a:latin typeface="Tenor Sans" panose="02000000000000000000" pitchFamily="2" charset="0"/>
+              </a:rPr>
+              <a:t>Rob</a:t>
+            </a:r>
+            <a:endParaRPr lang="LID4096" dirty="0">
+              <a:latin typeface="Tenor Sans" panose="02000000000000000000" pitchFamily="2" charset="0"/>
+            </a:endParaRPr>
+          </a:p>
+        </p:txBody>
+      </p:sp>
+      <p:sp>
+        <p:nvSpPr>
+          <p:cNvPr id="3" name="Tijdelijke aanduiding voor inhoud 2">
+            <a:extLst>
+              <a:ext uri="{FF2B5EF4-FFF2-40B4-BE49-F238E27FC236}">
+                <a16:creationId xmlns:a16="http://schemas.microsoft.com/office/drawing/2014/main" id="{3AB7E465-72BC-4573-AA58-E7966FFFF9C2}"/>
+              </a:ext>
+            </a:extLst>
+          </p:cNvPr>
+          <p:cNvSpPr>
+            <a:spLocks noGrp="1"/>
+          </p:cNvSpPr>
+          <p:nvPr>
+            <p:ph idx="1"/>
+          </p:nvPr>
+        </p:nvSpPr>
+        <p:spPr/>
+        <p:txBody>
+          <a:bodyPr/>
+          <a:lstStyle/>
+          <a:p>
+            <a:endParaRPr lang="LID4096"/>
+          </a:p>
+        </p:txBody>
+      </p:sp>
+    </p:spTree>
+    <p:extLst>
+      <p:ext uri="{BB962C8B-B14F-4D97-AF65-F5344CB8AC3E}">
+        <p14:creationId xmlns:p14="http://schemas.microsoft.com/office/powerpoint/2010/main" val="1923938097"/>
       </p:ext>
     </p:extLst>
   </p:cSld>
